--- a/TeamIntro/TeamInto.pptx
+++ b/TeamIntro/TeamInto.pptx
@@ -259,7 +259,7 @@
           <a:p>
             <a:fld id="{1360FFCD-7A69-4D3D-9051-A02ECA34F79C}" type="datetimeFigureOut">
               <a:rPr lang="en-US" smtClean="0"/>
-              <a:t>2/3/2022</a:t>
+              <a:t>2/9/2022</a:t>
             </a:fld>
             <a:endParaRPr lang="en-US"/>
           </a:p>
@@ -457,7 +457,7 @@
           <a:p>
             <a:fld id="{1360FFCD-7A69-4D3D-9051-A02ECA34F79C}" type="datetimeFigureOut">
               <a:rPr lang="en-US" smtClean="0"/>
-              <a:t>2/3/2022</a:t>
+              <a:t>2/9/2022</a:t>
             </a:fld>
             <a:endParaRPr lang="en-US"/>
           </a:p>
@@ -665,7 +665,7 @@
           <a:p>
             <a:fld id="{1360FFCD-7A69-4D3D-9051-A02ECA34F79C}" type="datetimeFigureOut">
               <a:rPr lang="en-US" smtClean="0"/>
-              <a:t>2/3/2022</a:t>
+              <a:t>2/9/2022</a:t>
             </a:fld>
             <a:endParaRPr lang="en-US"/>
           </a:p>
@@ -863,7 +863,7 @@
           <a:p>
             <a:fld id="{1360FFCD-7A69-4D3D-9051-A02ECA34F79C}" type="datetimeFigureOut">
               <a:rPr lang="en-US" smtClean="0"/>
-              <a:t>2/3/2022</a:t>
+              <a:t>2/9/2022</a:t>
             </a:fld>
             <a:endParaRPr lang="en-US"/>
           </a:p>
@@ -1138,7 +1138,7 @@
           <a:p>
             <a:fld id="{1360FFCD-7A69-4D3D-9051-A02ECA34F79C}" type="datetimeFigureOut">
               <a:rPr lang="en-US" smtClean="0"/>
-              <a:t>2/3/2022</a:t>
+              <a:t>2/9/2022</a:t>
             </a:fld>
             <a:endParaRPr lang="en-US"/>
           </a:p>
@@ -1403,7 +1403,7 @@
           <a:p>
             <a:fld id="{1360FFCD-7A69-4D3D-9051-A02ECA34F79C}" type="datetimeFigureOut">
               <a:rPr lang="en-US" smtClean="0"/>
-              <a:t>2/3/2022</a:t>
+              <a:t>2/9/2022</a:t>
             </a:fld>
             <a:endParaRPr lang="en-US"/>
           </a:p>
@@ -1815,7 +1815,7 @@
           <a:p>
             <a:fld id="{1360FFCD-7A69-4D3D-9051-A02ECA34F79C}" type="datetimeFigureOut">
               <a:rPr lang="en-US" smtClean="0"/>
-              <a:t>2/3/2022</a:t>
+              <a:t>2/9/2022</a:t>
             </a:fld>
             <a:endParaRPr lang="en-US"/>
           </a:p>
@@ -1956,7 +1956,7 @@
           <a:p>
             <a:fld id="{1360FFCD-7A69-4D3D-9051-A02ECA34F79C}" type="datetimeFigureOut">
               <a:rPr lang="en-US" smtClean="0"/>
-              <a:t>2/3/2022</a:t>
+              <a:t>2/9/2022</a:t>
             </a:fld>
             <a:endParaRPr lang="en-US"/>
           </a:p>
@@ -2069,7 +2069,7 @@
           <a:p>
             <a:fld id="{1360FFCD-7A69-4D3D-9051-A02ECA34F79C}" type="datetimeFigureOut">
               <a:rPr lang="en-US" smtClean="0"/>
-              <a:t>2/3/2022</a:t>
+              <a:t>2/9/2022</a:t>
             </a:fld>
             <a:endParaRPr lang="en-US"/>
           </a:p>
@@ -2380,7 +2380,7 @@
           <a:p>
             <a:fld id="{1360FFCD-7A69-4D3D-9051-A02ECA34F79C}" type="datetimeFigureOut">
               <a:rPr lang="en-US" smtClean="0"/>
-              <a:t>2/3/2022</a:t>
+              <a:t>2/9/2022</a:t>
             </a:fld>
             <a:endParaRPr lang="en-US"/>
           </a:p>
@@ -2668,7 +2668,7 @@
           <a:p>
             <a:fld id="{1360FFCD-7A69-4D3D-9051-A02ECA34F79C}" type="datetimeFigureOut">
               <a:rPr lang="en-US" smtClean="0"/>
-              <a:t>2/3/2022</a:t>
+              <a:t>2/9/2022</a:t>
             </a:fld>
             <a:endParaRPr lang="en-US"/>
           </a:p>
@@ -2909,7 +2909,7 @@
           <a:p>
             <a:fld id="{1360FFCD-7A69-4D3D-9051-A02ECA34F79C}" type="datetimeFigureOut">
               <a:rPr lang="en-US" smtClean="0"/>
-              <a:t>2/3/2022</a:t>
+              <a:t>2/9/2022</a:t>
             </a:fld>
             <a:endParaRPr lang="en-US"/>
           </a:p>
@@ -3656,8 +3656,8 @@
         </p:nvSpPr>
         <p:spPr>
           <a:xfrm>
-            <a:off x="2452356" y="468771"/>
-            <a:ext cx="6261846" cy="1200329"/>
+            <a:off x="1576253" y="518960"/>
+            <a:ext cx="7843344" cy="1200329"/>
           </a:xfrm>
           <a:prstGeom prst="rect">
             <a:avLst/>
@@ -3713,7 +3713,7 @@
                 </a:effectLst>
                 <a:latin typeface="Colonna MT" panose="04020805060202030203" pitchFamily="82" charset="0"/>
               </a:rPr>
-              <a:t>BlahBlah</a:t>
+              <a:t>Arruwach</a:t>
             </a:r>
             <a:endParaRPr lang="en-US" sz="7200" b="1" u="sng" cap="none" spc="0" dirty="0">
               <a:ln w="9525">
@@ -3896,7 +3896,7 @@
         </p:nvSpPr>
         <p:spPr>
           <a:xfrm>
-            <a:off x="6234926" y="4628757"/>
+            <a:off x="6219806" y="4740202"/>
             <a:ext cx="2561920" cy="1754326"/>
           </a:xfrm>
           <a:prstGeom prst="rect">
@@ -3959,7 +3959,7 @@
         </p:nvSpPr>
         <p:spPr>
           <a:xfrm>
-            <a:off x="9262932" y="4578568"/>
+            <a:off x="9273916" y="4706087"/>
             <a:ext cx="2566729" cy="1754326"/>
           </a:xfrm>
           <a:prstGeom prst="rect">
